--- a/src/figures/bcforest.pptx
+++ b/src/figures/bcforest.pptx
@@ -2821,8 +2821,8 @@
           </a:p>
         </p:txBody>
       </p:sp>
-      <mc:AlternateContent xmlns:mc="http://schemas.openxmlformats.org/markup-compatibility/2006">
-        <mc:Choice xmlns:a14="http://schemas.microsoft.com/office/drawing/2010/main" Requires="a14">
+      <mc:AlternateContent xmlns:mc="http://schemas.openxmlformats.org/markup-compatibility/2006" xmlns:a14="http://schemas.microsoft.com/office/drawing/2010/main">
+        <mc:Choice Requires="a14">
           <p:sp>
             <p:nvSpPr>
               <p:cNvPr id="10" name="テキスト ボックス 9">
@@ -2936,7 +2936,7 @@
             </p:txBody>
           </p:sp>
         </mc:Choice>
-        <mc:Fallback>
+        <mc:Fallback xmlns="">
           <p:sp>
             <p:nvSpPr>
               <p:cNvPr id="10" name="テキスト ボックス 9">
@@ -3096,8 +3096,8 @@
           </a:p>
         </p:txBody>
       </p:sp>
-      <mc:AlternateContent xmlns:mc="http://schemas.openxmlformats.org/markup-compatibility/2006">
-        <mc:Choice xmlns:a14="http://schemas.microsoft.com/office/drawing/2010/main" Requires="a14">
+      <mc:AlternateContent xmlns:mc="http://schemas.openxmlformats.org/markup-compatibility/2006" xmlns:a14="http://schemas.microsoft.com/office/drawing/2010/main">
+        <mc:Choice Requires="a14">
           <p:graphicFrame>
             <p:nvGraphicFramePr>
               <p:cNvPr id="15" name="表 49">
@@ -3297,7 +3297,7 @@
             </a:graphic>
           </p:graphicFrame>
         </mc:Choice>
-        <mc:Fallback>
+        <mc:Fallback xmlns="">
           <p:graphicFrame>
             <p:nvGraphicFramePr>
               <p:cNvPr id="15" name="表 49">
@@ -3469,8 +3469,8 @@
           </p:graphicFrame>
         </mc:Fallback>
       </mc:AlternateContent>
-      <mc:AlternateContent xmlns:mc="http://schemas.openxmlformats.org/markup-compatibility/2006">
-        <mc:Choice xmlns:a14="http://schemas.microsoft.com/office/drawing/2010/main" Requires="a14">
+      <mc:AlternateContent xmlns:mc="http://schemas.openxmlformats.org/markup-compatibility/2006" xmlns:a14="http://schemas.microsoft.com/office/drawing/2010/main">
+        <mc:Choice Requires="a14">
           <p:graphicFrame>
             <p:nvGraphicFramePr>
               <p:cNvPr id="18" name="表 49">
@@ -3676,7 +3676,7 @@
             </a:graphic>
           </p:graphicFrame>
         </mc:Choice>
-        <mc:Fallback>
+        <mc:Fallback xmlns="">
           <p:graphicFrame>
             <p:nvGraphicFramePr>
               <p:cNvPr id="18" name="表 49">
@@ -3856,56 +3856,6 @@
       </mc:AlternateContent>
       <p:sp>
         <p:nvSpPr>
-          <p:cNvPr id="24" name="テキスト ボックス 23">
-            <a:extLst>
-              <a:ext uri="{FF2B5EF4-FFF2-40B4-BE49-F238E27FC236}">
-                <a16:creationId xmlns:a16="http://schemas.microsoft.com/office/drawing/2014/main" id="{FCE37953-B654-D8FB-B479-96C024E6857B}"/>
-              </a:ext>
-            </a:extLst>
-          </p:cNvPr>
-          <p:cNvSpPr txBox="1"/>
-          <p:nvPr/>
-        </p:nvSpPr>
-        <p:spPr>
-          <a:xfrm>
-            <a:off x="1309823" y="355304"/>
-            <a:ext cx="941504" cy="132537"/>
-          </a:xfrm>
-          <a:prstGeom prst="rect">
-            <a:avLst/>
-          </a:prstGeom>
-          <a:noFill/>
-        </p:spPr>
-        <p:txBody>
-          <a:bodyPr wrap="square" lIns="0" tIns="0" rIns="0" bIns="0" rtlCol="0">
-            <a:spAutoFit/>
-          </a:bodyPr>
-          <a:lstStyle/>
-          <a:p>
-            <a:pPr algn="ctr">
-              <a:lnSpc>
-                <a:spcPct val="120000"/>
-              </a:lnSpc>
-              <a:spcAft>
-                <a:spcPts val="1200"/>
-              </a:spcAft>
-              <a:buClr>
-                <a:schemeClr val="accent6">
-                  <a:lumMod val="50000"/>
-                </a:schemeClr>
-              </a:buClr>
-              <a:buSzPct val="100000"/>
-            </a:pPr>
-            <a:r>
-              <a:rPr lang="ja-JP" altLang="en-US" sz="800" dirty="0"/>
-              <a:t>中間ノード</a:t>
-            </a:r>
-            <a:endParaRPr lang="en-US" altLang="ja-JP" sz="800" dirty="0"/>
-          </a:p>
-        </p:txBody>
-      </p:sp>
-      <p:sp>
-        <p:nvSpPr>
           <p:cNvPr id="25" name="テキスト ボックス 24">
             <a:extLst>
               <a:ext uri="{FF2B5EF4-FFF2-40B4-BE49-F238E27FC236}">
@@ -3918,7 +3868,7 @@
         </p:nvSpPr>
         <p:spPr>
           <a:xfrm>
-            <a:off x="1300629" y="504656"/>
+            <a:off x="1300629" y="424464"/>
             <a:ext cx="1094230" cy="280270"/>
           </a:xfrm>
           <a:prstGeom prst="rect">
@@ -3975,7 +3925,7 @@
         </p:nvSpPr>
         <p:spPr>
           <a:xfrm>
-            <a:off x="1604407" y="1029643"/>
+            <a:off x="1604407" y="969318"/>
             <a:ext cx="941504" cy="132537"/>
           </a:xfrm>
           <a:prstGeom prst="rect">
@@ -4037,7 +3987,7 @@
         </p:nvSpPr>
         <p:spPr>
           <a:xfrm>
-            <a:off x="1606201" y="1167551"/>
+            <a:off x="1606201" y="1107226"/>
             <a:ext cx="941504" cy="132537"/>
           </a:xfrm>
           <a:prstGeom prst="rect">
@@ -4168,56 +4118,6 @@
             <a:r>
               <a:rPr lang="ja-JP" altLang="en-US" sz="800" dirty="0"/>
               <a:t>キャッシュ効率改善</a:t>
-            </a:r>
-            <a:endParaRPr lang="en-US" altLang="ja-JP" sz="800" dirty="0"/>
-          </a:p>
-        </p:txBody>
-      </p:sp>
-      <p:sp>
-        <p:nvSpPr>
-          <p:cNvPr id="53" name="テキスト ボックス 52">
-            <a:extLst>
-              <a:ext uri="{FF2B5EF4-FFF2-40B4-BE49-F238E27FC236}">
-                <a16:creationId xmlns:a16="http://schemas.microsoft.com/office/drawing/2014/main" id="{44DD525A-A576-B807-B4C0-DE4F2994FA82}"/>
-              </a:ext>
-            </a:extLst>
-          </p:cNvPr>
-          <p:cNvSpPr txBox="1"/>
-          <p:nvPr/>
-        </p:nvSpPr>
-        <p:spPr>
-          <a:xfrm>
-            <a:off x="1842346" y="920036"/>
-            <a:ext cx="941504" cy="132537"/>
-          </a:xfrm>
-          <a:prstGeom prst="rect">
-            <a:avLst/>
-          </a:prstGeom>
-          <a:noFill/>
-        </p:spPr>
-        <p:txBody>
-          <a:bodyPr wrap="square" lIns="0" tIns="0" rIns="0" bIns="0" rtlCol="0">
-            <a:spAutoFit/>
-          </a:bodyPr>
-          <a:lstStyle/>
-          <a:p>
-            <a:pPr>
-              <a:lnSpc>
-                <a:spcPct val="120000"/>
-              </a:lnSpc>
-              <a:spcAft>
-                <a:spcPts val="1200"/>
-              </a:spcAft>
-              <a:buClr>
-                <a:schemeClr val="accent6">
-                  <a:lumMod val="50000"/>
-                </a:schemeClr>
-              </a:buClr>
-              <a:buSzPct val="100000"/>
-            </a:pPr>
-            <a:r>
-              <a:rPr lang="ja-JP" altLang="en-US" sz="800" dirty="0"/>
-              <a:t>葉ノード</a:t>
             </a:r>
             <a:endParaRPr lang="en-US" altLang="ja-JP" sz="800" dirty="0"/>
           </a:p>
